--- a/DEMO-SPRINT-0.pptx
+++ b/DEMO-SPRINT-0.pptx
@@ -148,7 +148,7 @@
   </p:defaultTextStyle>
   <p:extLst>
     <p:ext uri="{EFAFB233-063F-42B5-8137-9DF3F51BA10A}">
-      <p15:sldGuideLst xmlns:p15="http://schemas.microsoft.com/office/powerpoint/2012/main" xmlns="">
+      <p15:sldGuideLst xmlns="" xmlns:p15="http://schemas.microsoft.com/office/powerpoint/2012/main">
         <p15:guide id="1" orient="horz" pos="2160">
           <p15:clr>
             <a:srgbClr val="A4A3A4"/>
@@ -162,7 +162,7 @@
       </p15:sldGuideLst>
     </p:ext>
     <p:ext uri="{2D200454-40CA-4A62-9FC3-DE9A4176ACB9}">
-      <p15:notesGuideLst xmlns:p15="http://schemas.microsoft.com/office/powerpoint/2012/main" xmlns="">
+      <p15:notesGuideLst xmlns="" xmlns:p15="http://schemas.microsoft.com/office/powerpoint/2012/main">
         <p15:guide id="1" orient="horz" pos="3024">
           <p15:clr>
             <a:srgbClr val="A4A3A4"/>
@@ -554,7 +554,7 @@
     </p:spTree>
     <p:extLst>
       <p:ext uri="{BB962C8B-B14F-4D97-AF65-F5344CB8AC3E}">
-        <p14:creationId xmlns:p14="http://schemas.microsoft.com/office/powerpoint/2010/main" xmlns="" val="3253414154"/>
+        <p14:creationId xmlns="" xmlns:p14="http://schemas.microsoft.com/office/powerpoint/2010/main" val="3253414154"/>
       </p:ext>
     </p:extLst>
   </p:cSld>
@@ -781,7 +781,7 @@
     </p:spTree>
     <p:extLst>
       <p:ext uri="{BB962C8B-B14F-4D97-AF65-F5344CB8AC3E}">
-        <p14:creationId xmlns:p14="http://schemas.microsoft.com/office/powerpoint/2010/main" xmlns="" val="3394687623"/>
+        <p14:creationId xmlns="" xmlns:p14="http://schemas.microsoft.com/office/powerpoint/2010/main" val="3394687623"/>
       </p:ext>
     </p:extLst>
   </p:cSld>
@@ -850,7 +850,7 @@
     </p:spTree>
     <p:extLst>
       <p:ext uri="{BB962C8B-B14F-4D97-AF65-F5344CB8AC3E}">
-        <p14:creationId xmlns:p14="http://schemas.microsoft.com/office/powerpoint/2010/main" xmlns="" val="3021839815"/>
+        <p14:creationId xmlns="" xmlns:p14="http://schemas.microsoft.com/office/powerpoint/2010/main" val="3021839815"/>
       </p:ext>
     </p:extLst>
   </p:cSld>
@@ -1100,7 +1100,7 @@
           </a:ln>
           <a:extLst>
             <a:ext uri="{909E8E84-426E-40DD-AFC4-6F175D3DCCD1}">
-              <a14:hiddenFill xmlns:a14="http://schemas.microsoft.com/office/drawing/2010/main" xmlns="">
+              <a14:hiddenFill xmlns="" xmlns:a14="http://schemas.microsoft.com/office/drawing/2010/main">
                 <a:noFill/>
               </a14:hiddenFill>
             </a:ext>
@@ -1158,7 +1158,7 @@
         <p:spPr>
           <a:extLst>
             <a:ext uri="{FAA26D3D-D897-4be2-8F04-BA451C77F1D7}">
-              <ma14:placeholderFlag xmlns:ma14="http://schemas.microsoft.com/office/mac/drawingml/2011/main" xmlns="" val="1"/>
+              <ma14:placeholderFlag xmlns="" xmlns:ma14="http://schemas.microsoft.com/office/mac/drawingml/2011/main" val="1"/>
             </a:ext>
           </a:extLst>
         </p:spPr>
@@ -1298,7 +1298,7 @@
     </p:spTree>
     <p:extLst>
       <p:ext uri="{BB962C8B-B14F-4D97-AF65-F5344CB8AC3E}">
-        <p14:creationId xmlns:p14="http://schemas.microsoft.com/office/powerpoint/2010/main" xmlns="" val="3873335465"/>
+        <p14:creationId xmlns="" xmlns:p14="http://schemas.microsoft.com/office/powerpoint/2010/main" val="3873335465"/>
       </p:ext>
     </p:extLst>
   </p:cSld>
@@ -1366,7 +1366,7 @@
     </p:spTree>
     <p:extLst>
       <p:ext uri="{BB962C8B-B14F-4D97-AF65-F5344CB8AC3E}">
-        <p14:creationId xmlns:p14="http://schemas.microsoft.com/office/powerpoint/2010/main" xmlns="" val="1324274847"/>
+        <p14:creationId xmlns="" xmlns:p14="http://schemas.microsoft.com/office/powerpoint/2010/main" val="1324274847"/>
       </p:ext>
     </p:extLst>
   </p:cSld>
@@ -1473,7 +1473,7 @@
     </p:spTree>
     <p:extLst>
       <p:ext uri="{BB962C8B-B14F-4D97-AF65-F5344CB8AC3E}">
-        <p14:creationId xmlns:p14="http://schemas.microsoft.com/office/powerpoint/2010/main" xmlns="" val="4263448773"/>
+        <p14:creationId xmlns="" xmlns:p14="http://schemas.microsoft.com/office/powerpoint/2010/main" val="4263448773"/>
       </p:ext>
     </p:extLst>
   </p:cSld>
@@ -1515,7 +1515,7 @@
           <a:blip r:embed="rId2">
             <a:extLst>
               <a:ext uri="{28A0092B-C50C-407E-A947-70E740481C1C}">
-                <a14:useLocalDpi xmlns:a14="http://schemas.microsoft.com/office/drawing/2010/main" xmlns="" val="0"/>
+                <a14:useLocalDpi xmlns="" xmlns:a14="http://schemas.microsoft.com/office/drawing/2010/main" val="0"/>
               </a:ext>
             </a:extLst>
           </a:blip>
@@ -1538,14 +1538,14 @@
           </a:ln>
           <a:extLst>
             <a:ext uri="{909E8E84-426E-40DD-AFC4-6F175D3DCCD1}">
-              <a14:hiddenFill xmlns:a14="http://schemas.microsoft.com/office/drawing/2010/main" xmlns="">
+              <a14:hiddenFill xmlns="" xmlns:a14="http://schemas.microsoft.com/office/drawing/2010/main">
                 <a:solidFill>
                   <a:srgbClr val="FFFFFF"/>
                 </a:solidFill>
               </a14:hiddenFill>
             </a:ext>
             <a:ext uri="{91240B29-F687-4F45-9708-019B960494DF}">
-              <a14:hiddenLine xmlns:a14="http://schemas.microsoft.com/office/drawing/2010/main" xmlns="" w="12700">
+              <a14:hiddenLine xmlns="" xmlns:a14="http://schemas.microsoft.com/office/drawing/2010/main" w="12700">
                 <a:solidFill>
                   <a:schemeClr val="tx1"/>
                 </a:solidFill>
@@ -1579,14 +1579,14 @@
           </a:ln>
           <a:extLst>
             <a:ext uri="{909E8E84-426E-40DD-AFC4-6F175D3DCCD1}">
-              <a14:hiddenFill xmlns:a14="http://schemas.microsoft.com/office/drawing/2010/main" xmlns="">
+              <a14:hiddenFill xmlns="" xmlns:a14="http://schemas.microsoft.com/office/drawing/2010/main">
                 <a:solidFill>
                   <a:srgbClr val="FFFFFF"/>
                 </a:solidFill>
               </a14:hiddenFill>
             </a:ext>
             <a:ext uri="{91240B29-F687-4F45-9708-019B960494DF}">
-              <a14:hiddenLine xmlns:a14="http://schemas.microsoft.com/office/drawing/2010/main" xmlns="" w="12700">
+              <a14:hiddenLine xmlns="" xmlns:a14="http://schemas.microsoft.com/office/drawing/2010/main" w="12700">
                 <a:solidFill>
                   <a:schemeClr val="tx1"/>
                 </a:solidFill>
@@ -1620,7 +1620,7 @@
     </p:spTree>
     <p:extLst>
       <p:ext uri="{BB962C8B-B14F-4D97-AF65-F5344CB8AC3E}">
-        <p14:creationId xmlns:p14="http://schemas.microsoft.com/office/powerpoint/2010/main" xmlns="" val="93166042"/>
+        <p14:creationId xmlns="" xmlns:p14="http://schemas.microsoft.com/office/powerpoint/2010/main" val="93166042"/>
       </p:ext>
     </p:extLst>
   </p:cSld>
@@ -1863,7 +1863,7 @@
     </p:spTree>
     <p:extLst>
       <p:ext uri="{BB962C8B-B14F-4D97-AF65-F5344CB8AC3E}">
-        <p14:creationId xmlns:p14="http://schemas.microsoft.com/office/powerpoint/2010/main" xmlns="" val="1131627082"/>
+        <p14:creationId xmlns="" xmlns:p14="http://schemas.microsoft.com/office/powerpoint/2010/main" val="1131627082"/>
       </p:ext>
     </p:extLst>
   </p:cSld>
@@ -2143,14 +2143,14 @@
           </a:ln>
           <a:extLst>
             <a:ext uri="{909E8E84-426E-40DD-AFC4-6F175D3DCCD1}">
-              <a14:hiddenFill xmlns:a14="http://schemas.microsoft.com/office/drawing/2010/main" xmlns="">
+              <a14:hiddenFill xmlns="" xmlns:a14="http://schemas.microsoft.com/office/drawing/2010/main">
                 <a:solidFill>
                   <a:srgbClr val="FFFFFF"/>
                 </a:solidFill>
               </a14:hiddenFill>
             </a:ext>
             <a:ext uri="{91240B29-F687-4F45-9708-019B960494DF}">
-              <a14:hiddenLine xmlns:a14="http://schemas.microsoft.com/office/drawing/2010/main" xmlns="" w="9525">
+              <a14:hiddenLine xmlns="" xmlns:a14="http://schemas.microsoft.com/office/drawing/2010/main" w="9525">
                 <a:solidFill>
                   <a:srgbClr val="000000"/>
                 </a:solidFill>
@@ -2225,7 +2225,7 @@
     </p:spTree>
     <p:extLst>
       <p:ext uri="{BB962C8B-B14F-4D97-AF65-F5344CB8AC3E}">
-        <p14:creationId xmlns:p14="http://schemas.microsoft.com/office/powerpoint/2010/main" xmlns="" val="2968961566"/>
+        <p14:creationId xmlns="" xmlns:p14="http://schemas.microsoft.com/office/powerpoint/2010/main" val="2968961566"/>
       </p:ext>
     </p:extLst>
   </p:cSld>
@@ -2283,7 +2283,7 @@
           <a:effectLst/>
           <a:extLst>
             <a:ext uri="{AF507438-7753-43E0-B8FC-AC1667EBCBE1}">
-              <a14:hiddenEffects xmlns:a14="http://schemas.microsoft.com/office/drawing/2010/main" xmlns="">
+              <a14:hiddenEffects xmlns="" xmlns:a14="http://schemas.microsoft.com/office/drawing/2010/main">
                 <a:effectLst>
                   <a:outerShdw blurRad="63500" dist="38099" dir="2700000" algn="ctr" rotWithShape="0">
                     <a:schemeClr val="bg2">
@@ -2424,7 +2424,7 @@
         <p:spPr>
           <a:extLst>
             <a:ext uri="{FAA26D3D-D897-4be2-8F04-BA451C77F1D7}">
-              <ma14:placeholderFlag xmlns:ma14="http://schemas.microsoft.com/office/mac/drawingml/2011/main" xmlns="" val="1"/>
+              <ma14:placeholderFlag xmlns="" xmlns:ma14="http://schemas.microsoft.com/office/mac/drawingml/2011/main" val="1"/>
             </a:ext>
           </a:extLst>
         </p:spPr>
@@ -2564,7 +2564,7 @@
     </p:spTree>
     <p:extLst>
       <p:ext uri="{BB962C8B-B14F-4D97-AF65-F5344CB8AC3E}">
-        <p14:creationId xmlns:p14="http://schemas.microsoft.com/office/powerpoint/2010/main" xmlns="" val="204343099"/>
+        <p14:creationId xmlns="" xmlns:p14="http://schemas.microsoft.com/office/powerpoint/2010/main" val="204343099"/>
       </p:ext>
     </p:extLst>
   </p:cSld>
@@ -2622,7 +2622,7 @@
           <a:effectLst/>
           <a:extLst>
             <a:ext uri="{AF507438-7753-43E0-B8FC-AC1667EBCBE1}">
-              <a14:hiddenEffects xmlns:a14="http://schemas.microsoft.com/office/drawing/2010/main" xmlns="">
+              <a14:hiddenEffects xmlns="" xmlns:a14="http://schemas.microsoft.com/office/drawing/2010/main">
                 <a:effectLst>
                   <a:outerShdw blurRad="63500" dist="38099" dir="2700000" algn="ctr" rotWithShape="0">
                     <a:schemeClr val="bg2">
@@ -2762,7 +2762,7 @@
         <p:spPr>
           <a:extLst>
             <a:ext uri="{FAA26D3D-D897-4be2-8F04-BA451C77F1D7}">
-              <ma14:placeholderFlag xmlns:ma14="http://schemas.microsoft.com/office/mac/drawingml/2011/main" xmlns="" val="1"/>
+              <ma14:placeholderFlag xmlns="" xmlns:ma14="http://schemas.microsoft.com/office/mac/drawingml/2011/main" val="1"/>
             </a:ext>
           </a:extLst>
         </p:spPr>
@@ -2902,7 +2902,7 @@
     </p:spTree>
     <p:extLst>
       <p:ext uri="{BB962C8B-B14F-4D97-AF65-F5344CB8AC3E}">
-        <p14:creationId xmlns:p14="http://schemas.microsoft.com/office/powerpoint/2010/main" xmlns="" val="3705400293"/>
+        <p14:creationId xmlns="" xmlns:p14="http://schemas.microsoft.com/office/powerpoint/2010/main" val="3705400293"/>
       </p:ext>
     </p:extLst>
   </p:cSld>
@@ -2960,7 +2960,7 @@
           <a:effectLst/>
           <a:extLst>
             <a:ext uri="{AF507438-7753-43E0-B8FC-AC1667EBCBE1}">
-              <a14:hiddenEffects xmlns:a14="http://schemas.microsoft.com/office/drawing/2010/main" xmlns="">
+              <a14:hiddenEffects xmlns="" xmlns:a14="http://schemas.microsoft.com/office/drawing/2010/main">
                 <a:effectLst>
                   <a:outerShdw blurRad="63500" dist="38099" dir="2700000" algn="ctr" rotWithShape="0">
                     <a:schemeClr val="bg2">
@@ -2985,7 +2985,7 @@
           <a:blip r:embed="rId2">
             <a:extLst>
               <a:ext uri="{28A0092B-C50C-407E-A947-70E740481C1C}">
-                <a14:useLocalDpi xmlns:a14="http://schemas.microsoft.com/office/drawing/2010/main" xmlns="" val="0"/>
+                <a14:useLocalDpi xmlns="" xmlns:a14="http://schemas.microsoft.com/office/drawing/2010/main" val="0"/>
               </a:ext>
             </a:extLst>
           </a:blip>
@@ -3008,14 +3008,14 @@
           </a:ln>
           <a:extLst>
             <a:ext uri="{909E8E84-426E-40DD-AFC4-6F175D3DCCD1}">
-              <a14:hiddenFill xmlns:a14="http://schemas.microsoft.com/office/drawing/2010/main" xmlns="">
+              <a14:hiddenFill xmlns="" xmlns:a14="http://schemas.microsoft.com/office/drawing/2010/main">
                 <a:solidFill>
                   <a:srgbClr val="FFFFFF"/>
                 </a:solidFill>
               </a14:hiddenFill>
             </a:ext>
             <a:ext uri="{91240B29-F687-4F45-9708-019B960494DF}">
-              <a14:hiddenLine xmlns:a14="http://schemas.microsoft.com/office/drawing/2010/main" xmlns="" w="12700">
+              <a14:hiddenLine xmlns="" xmlns:a14="http://schemas.microsoft.com/office/drawing/2010/main" w="12700">
                 <a:solidFill>
                   <a:schemeClr val="tx1"/>
                 </a:solidFill>
@@ -3079,7 +3079,7 @@
         <p:spPr>
           <a:extLst>
             <a:ext uri="{FAA26D3D-D897-4be2-8F04-BA451C77F1D7}">
-              <ma14:placeholderFlag xmlns:ma14="http://schemas.microsoft.com/office/mac/drawingml/2011/main" xmlns="" val="1"/>
+              <ma14:placeholderFlag xmlns="" xmlns:ma14="http://schemas.microsoft.com/office/mac/drawingml/2011/main" val="1"/>
             </a:ext>
           </a:extLst>
         </p:spPr>
@@ -3219,7 +3219,7 @@
     </p:spTree>
     <p:extLst>
       <p:ext uri="{BB962C8B-B14F-4D97-AF65-F5344CB8AC3E}">
-        <p14:creationId xmlns:p14="http://schemas.microsoft.com/office/powerpoint/2010/main" xmlns="" val="2020834864"/>
+        <p14:creationId xmlns="" xmlns:p14="http://schemas.microsoft.com/office/powerpoint/2010/main" val="2020834864"/>
       </p:ext>
     </p:extLst>
   </p:cSld>
@@ -3276,7 +3276,7 @@
           </a:ln>
           <a:extLst>
             <a:ext uri="{909E8E84-426E-40DD-AFC4-6F175D3DCCD1}">
-              <a14:hiddenFill xmlns:a14="http://schemas.microsoft.com/office/drawing/2010/main" xmlns="">
+              <a14:hiddenFill xmlns="" xmlns:a14="http://schemas.microsoft.com/office/drawing/2010/main">
                 <a:noFill/>
               </a14:hiddenFill>
             </a:ext>
@@ -3421,7 +3421,7 @@
         <p:spPr>
           <a:extLst>
             <a:ext uri="{FAA26D3D-D897-4be2-8F04-BA451C77F1D7}">
-              <ma14:placeholderFlag xmlns:ma14="http://schemas.microsoft.com/office/mac/drawingml/2011/main" xmlns="" val="1"/>
+              <ma14:placeholderFlag xmlns="" xmlns:ma14="http://schemas.microsoft.com/office/mac/drawingml/2011/main" val="1"/>
             </a:ext>
           </a:extLst>
         </p:spPr>
@@ -3450,7 +3450,7 @@
     </p:spTree>
     <p:extLst>
       <p:ext uri="{BB962C8B-B14F-4D97-AF65-F5344CB8AC3E}">
-        <p14:creationId xmlns:p14="http://schemas.microsoft.com/office/powerpoint/2010/main" xmlns="" val="1106070343"/>
+        <p14:creationId xmlns="" xmlns:p14="http://schemas.microsoft.com/office/powerpoint/2010/main" val="1106070343"/>
       </p:ext>
     </p:extLst>
   </p:cSld>
@@ -3507,7 +3507,7 @@
           </a:ln>
           <a:extLst>
             <a:ext uri="{909E8E84-426E-40DD-AFC4-6F175D3DCCD1}">
-              <a14:hiddenFill xmlns:a14="http://schemas.microsoft.com/office/drawing/2010/main" xmlns="">
+              <a14:hiddenFill xmlns="" xmlns:a14="http://schemas.microsoft.com/office/drawing/2010/main">
                 <a:noFill/>
               </a14:hiddenFill>
             </a:ext>
@@ -3621,7 +3621,7 @@
         <p:spPr>
           <a:extLst>
             <a:ext uri="{FAA26D3D-D897-4be2-8F04-BA451C77F1D7}">
-              <ma14:placeholderFlag xmlns:ma14="http://schemas.microsoft.com/office/mac/drawingml/2011/main" xmlns="" val="1"/>
+              <ma14:placeholderFlag xmlns="" xmlns:ma14="http://schemas.microsoft.com/office/mac/drawingml/2011/main" val="1"/>
             </a:ext>
           </a:extLst>
         </p:spPr>
@@ -3650,7 +3650,7 @@
     </p:spTree>
     <p:extLst>
       <p:ext uri="{BB962C8B-B14F-4D97-AF65-F5344CB8AC3E}">
-        <p14:creationId xmlns:p14="http://schemas.microsoft.com/office/powerpoint/2010/main" xmlns="" val="2573573801"/>
+        <p14:creationId xmlns="" xmlns:p14="http://schemas.microsoft.com/office/powerpoint/2010/main" val="2573573801"/>
       </p:ext>
     </p:extLst>
   </p:cSld>
@@ -3707,7 +3707,7 @@
           </a:ln>
           <a:extLst>
             <a:ext uri="{909E8E84-426E-40DD-AFC4-6F175D3DCCD1}">
-              <a14:hiddenFill xmlns:a14="http://schemas.microsoft.com/office/drawing/2010/main" xmlns="">
+              <a14:hiddenFill xmlns="" xmlns:a14="http://schemas.microsoft.com/office/drawing/2010/main">
                 <a:noFill/>
               </a14:hiddenFill>
             </a:ext>
@@ -3902,7 +3902,7 @@
         <p:spPr>
           <a:extLst>
             <a:ext uri="{FAA26D3D-D897-4be2-8F04-BA451C77F1D7}">
-              <ma14:placeholderFlag xmlns:ma14="http://schemas.microsoft.com/office/mac/drawingml/2011/main" xmlns="" val="1"/>
+              <ma14:placeholderFlag xmlns="" xmlns:ma14="http://schemas.microsoft.com/office/mac/drawingml/2011/main" val="1"/>
             </a:ext>
           </a:extLst>
         </p:spPr>
@@ -4042,7 +4042,7 @@
     </p:spTree>
     <p:extLst>
       <p:ext uri="{BB962C8B-B14F-4D97-AF65-F5344CB8AC3E}">
-        <p14:creationId xmlns:p14="http://schemas.microsoft.com/office/powerpoint/2010/main" xmlns="" val="1369022232"/>
+        <p14:creationId xmlns="" xmlns:p14="http://schemas.microsoft.com/office/powerpoint/2010/main" val="1369022232"/>
       </p:ext>
     </p:extLst>
   </p:cSld>
@@ -4875,14 +4875,14 @@
           <a:effectLst/>
           <a:extLst>
             <a:ext uri="{909E8E84-426E-40DD-AFC4-6F175D3DCCD1}">
-              <a14:hiddenFill xmlns:a14="http://schemas.microsoft.com/office/drawing/2010/main" xmlns="">
+              <a14:hiddenFill xmlns="" xmlns:a14="http://schemas.microsoft.com/office/drawing/2010/main">
                 <a:solidFill>
                   <a:srgbClr val="FFFFFF"/>
                 </a:solidFill>
               </a14:hiddenFill>
             </a:ext>
             <a:ext uri="{91240B29-F687-4F45-9708-019B960494DF}">
-              <a14:hiddenLine xmlns:a14="http://schemas.microsoft.com/office/drawing/2010/main" xmlns="" w="12700">
+              <a14:hiddenLine xmlns="" xmlns:a14="http://schemas.microsoft.com/office/drawing/2010/main" w="12700">
                 <a:solidFill>
                   <a:schemeClr val="tx1"/>
                 </a:solidFill>
@@ -4892,7 +4892,7 @@
               </a14:hiddenLine>
             </a:ext>
             <a:ext uri="{AF507438-7753-43E0-B8FC-AC1667EBCBE1}">
-              <a14:hiddenEffects xmlns:a14="http://schemas.microsoft.com/office/drawing/2010/main" xmlns="">
+              <a14:hiddenEffects xmlns="" xmlns:a14="http://schemas.microsoft.com/office/drawing/2010/main">
                 <a:effectLst>
                   <a:outerShdw blurRad="63500" dist="38099" dir="2700000" algn="ctr" rotWithShape="0">
                     <a:srgbClr val="000000">
@@ -4903,7 +4903,7 @@
               </a14:hiddenEffects>
             </a:ext>
             <a:ext uri="{FAA26D3D-D897-4be2-8F04-BA451C77F1D7}">
-              <ma14:placeholderFlag xmlns:ma14="http://schemas.microsoft.com/office/mac/drawingml/2011/main" xmlns="" val="1"/>
+              <ma14:placeholderFlag xmlns="" xmlns:ma14="http://schemas.microsoft.com/office/mac/drawingml/2011/main" val="1"/>
             </a:ext>
           </a:extLst>
         </p:spPr>
@@ -5047,7 +5047,7 @@
     </p:spTree>
     <p:extLst>
       <p:ext uri="{BB962C8B-B14F-4D97-AF65-F5344CB8AC3E}">
-        <p14:creationId xmlns:p14="http://schemas.microsoft.com/office/powerpoint/2010/main" xmlns="" val="3122022729"/>
+        <p14:creationId xmlns="" xmlns:p14="http://schemas.microsoft.com/office/powerpoint/2010/main" val="3122022729"/>
       </p:ext>
     </p:extLst>
   </p:cSld>
@@ -5819,18 +5819,12 @@
               <a:rPr lang="en-US" dirty="0" smtClean="0"/>
               <a:t>What are we going to develop</a:t>
             </a:r>
-            <a:endParaRPr lang="en-US" dirty="0" smtClean="0"/>
           </a:p>
           <a:p>
             <a:r>
               <a:rPr lang="en-US" dirty="0" smtClean="0"/>
-              <a:t>Shared Machine(Server</a:t>
-            </a:r>
-            <a:r>
-              <a:rPr lang="en-US" dirty="0" smtClean="0"/>
-              <a:t>)</a:t>
-            </a:r>
-            <a:endParaRPr lang="en-US" dirty="0" smtClean="0"/>
+              <a:t>Shared Machine(Server)</a:t>
+            </a:r>
           </a:p>
           <a:p>
             <a:r>
@@ -5844,7 +5838,6 @@
               <a:rPr lang="en-US" dirty="0" smtClean="0"/>
               <a:t>Deliverables</a:t>
             </a:r>
-            <a:endParaRPr lang="en-US" dirty="0" smtClean="0"/>
           </a:p>
           <a:p>
             <a:endParaRPr lang="en-US" dirty="0"/>
@@ -5876,7 +5869,7 @@
     </p:spTree>
     <p:extLst>
       <p:ext uri="{BB962C8B-B14F-4D97-AF65-F5344CB8AC3E}">
-        <p14:creationId xmlns:p14="http://schemas.microsoft.com/office/powerpoint/2010/main" xmlns="" val="300189226"/>
+        <p14:creationId xmlns="" xmlns:p14="http://schemas.microsoft.com/office/powerpoint/2010/main" val="300189226"/>
       </p:ext>
     </p:extLst>
   </p:cSld>
@@ -5976,7 +5969,6 @@
               <a:rPr lang="en-US" dirty="0" smtClean="0"/>
               <a:t>Planning for next week</a:t>
             </a:r>
-            <a:endParaRPr lang="en-US" dirty="0" smtClean="0"/>
           </a:p>
           <a:p>
             <a:endParaRPr lang="en-US" dirty="0"/>
@@ -6008,7 +6000,7 @@
     </p:spTree>
     <p:extLst>
       <p:ext uri="{BB962C8B-B14F-4D97-AF65-F5344CB8AC3E}">
-        <p14:creationId xmlns:p14="http://schemas.microsoft.com/office/powerpoint/2010/main" xmlns="" val="4276553333"/>
+        <p14:creationId xmlns="" xmlns:p14="http://schemas.microsoft.com/office/powerpoint/2010/main" val="4276553333"/>
       </p:ext>
     </p:extLst>
   </p:cSld>
@@ -6135,7 +6127,6 @@
               <a:rPr lang="en-US" dirty="0" smtClean="0"/>
               <a:t>Root/root123</a:t>
             </a:r>
-            <a:endParaRPr lang="en-US" dirty="0" smtClean="0"/>
           </a:p>
           <a:p>
             <a:pPr>
@@ -6170,7 +6161,7 @@
     </p:spTree>
     <p:extLst>
       <p:ext uri="{BB962C8B-B14F-4D97-AF65-F5344CB8AC3E}">
-        <p14:creationId xmlns:p14="http://schemas.microsoft.com/office/powerpoint/2010/main" xmlns="" val="4276553333"/>
+        <p14:creationId xmlns="" xmlns:p14="http://schemas.microsoft.com/office/powerpoint/2010/main" val="4276553333"/>
       </p:ext>
     </p:extLst>
   </p:cSld>
@@ -6294,13 +6285,8 @@
             <a:pPr lvl="3"/>
             <a:r>
               <a:rPr lang="en-US" dirty="0" smtClean="0"/>
-              <a:t>All 10 members are </a:t>
-            </a:r>
-            <a:r>
-              <a:rPr lang="en-US" dirty="0" smtClean="0"/>
-              <a:t>invited</a:t>
-            </a:r>
-            <a:endParaRPr lang="en-US" dirty="0" smtClean="0"/>
+              <a:t>All 10 members are invited</a:t>
+            </a:r>
           </a:p>
           <a:p>
             <a:r>
@@ -6318,20 +6304,24 @@
           <a:p>
             <a:pPr lvl="2"/>
             <a:r>
+              <a:rPr lang="en-US" dirty="0" smtClean="0">
+                <a:hlinkClick r:id="rId3"/>
+              </a:rPr>
+              <a:t>e</a:t>
+            </a:r>
+            <a:r>
+              <a:rPr lang="en-US" dirty="0" smtClean="0">
+                <a:hlinkClick r:id="rId3"/>
+              </a:rPr>
+              <a:t>ie-impetus@gmail.com/impetus@2015</a:t>
+            </a:r>
+            <a:r>
               <a:rPr lang="en-US" dirty="0" smtClean="0"/>
-              <a:t>Eie.impetus@gmail.com/impetus@2015</a:t>
-            </a:r>
-            <a:endParaRPr lang="en-US" dirty="0" smtClean="0"/>
-          </a:p>
-          <a:p>
-            <a:pPr lvl="2"/>
-            <a:r>
-              <a:rPr lang="en-US" dirty="0" smtClean="0"/>
-              <a:t>All members please make sure the have their account on </a:t>
+              <a:t> at </a:t>
             </a:r>
             <a:r>
               <a:rPr lang="en-US" dirty="0" err="1" smtClean="0"/>
-              <a:t>git</a:t>
+              <a:t>github</a:t>
             </a:r>
             <a:endParaRPr lang="en-US" dirty="0" smtClean="0"/>
           </a:p>
@@ -6362,7 +6352,7 @@
     </p:spTree>
     <p:extLst>
       <p:ext uri="{BB962C8B-B14F-4D97-AF65-F5344CB8AC3E}">
-        <p14:creationId xmlns:p14="http://schemas.microsoft.com/office/powerpoint/2010/main" xmlns="" val="4276553333"/>
+        <p14:creationId xmlns="" xmlns:p14="http://schemas.microsoft.com/office/powerpoint/2010/main" val="4276553333"/>
       </p:ext>
     </p:extLst>
   </p:cSld>
@@ -6463,31 +6453,15 @@
             <a:pPr lvl="0"/>
             <a:r>
               <a:rPr lang="en-US" dirty="0" smtClean="0"/>
-              <a:t>Integration framework </a:t>
-            </a:r>
+              <a:t>Integration framework – Drop wizard</a:t>
+            </a:r>
+            <a:endParaRPr lang="en-IN" dirty="0" smtClean="0"/>
+          </a:p>
+          <a:p>
+            <a:pPr lvl="0"/>
             <a:r>
               <a:rPr lang="en-US" dirty="0" smtClean="0"/>
-              <a:t>– Drop </a:t>
-            </a:r>
-            <a:r>
-              <a:rPr lang="en-US" dirty="0" smtClean="0"/>
-              <a:t>wizard</a:t>
-            </a:r>
-            <a:endParaRPr lang="en-IN" dirty="0" smtClean="0"/>
-          </a:p>
-          <a:p>
-            <a:pPr lvl="0"/>
-            <a:r>
-              <a:rPr lang="en-US" dirty="0" smtClean="0"/>
-              <a:t>Unit test framework – </a:t>
-            </a:r>
-            <a:r>
-              <a:rPr lang="en-US" dirty="0" smtClean="0"/>
-              <a:t>Test </a:t>
-            </a:r>
-            <a:r>
-              <a:rPr lang="en-US" dirty="0" smtClean="0"/>
-              <a:t>NG</a:t>
+              <a:t>Unit test framework – Test NG</a:t>
             </a:r>
             <a:endParaRPr lang="en-IN" dirty="0" smtClean="0"/>
           </a:p>
@@ -6530,7 +6504,7 @@
     </p:spTree>
     <p:extLst>
       <p:ext uri="{BB962C8B-B14F-4D97-AF65-F5344CB8AC3E}">
-        <p14:creationId xmlns:p14="http://schemas.microsoft.com/office/powerpoint/2010/main" xmlns="" val="4276553333"/>
+        <p14:creationId xmlns="" xmlns:p14="http://schemas.microsoft.com/office/powerpoint/2010/main" val="4276553333"/>
       </p:ext>
     </p:extLst>
   </p:cSld>
@@ -6606,11 +6580,15 @@
             <a:pPr lvl="0"/>
             <a:r>
               <a:rPr lang="en-US" dirty="0" smtClean="0"/>
-              <a:t>Build tool </a:t>
-            </a:r>
+              <a:t>Build tool – Gradle</a:t>
+            </a:r>
+            <a:endParaRPr lang="en-IN" dirty="0" smtClean="0"/>
+          </a:p>
+          <a:p>
+            <a:pPr lvl="0"/>
             <a:r>
               <a:rPr lang="en-US" dirty="0" smtClean="0"/>
-              <a:t>– Gradle</a:t>
+              <a:t>Continuous Integration – Jenkins and Sonar</a:t>
             </a:r>
             <a:endParaRPr lang="en-IN" dirty="0" smtClean="0"/>
           </a:p>
@@ -6618,42 +6596,14 @@
             <a:pPr lvl="0"/>
             <a:r>
               <a:rPr lang="en-US" dirty="0" smtClean="0"/>
-              <a:t>Continuous Integration – Jenkins </a:t>
-            </a:r>
+              <a:t>Performance test frame work – TBD</a:t>
+            </a:r>
+            <a:endParaRPr lang="en-IN" dirty="0" smtClean="0"/>
+          </a:p>
+          <a:p>
             <a:r>
               <a:rPr lang="en-US" dirty="0" smtClean="0"/>
-              <a:t>and Sonar</a:t>
-            </a:r>
-            <a:endParaRPr lang="en-IN" dirty="0" smtClean="0"/>
-          </a:p>
-          <a:p>
-            <a:pPr lvl="0"/>
-            <a:r>
-              <a:rPr lang="en-US" dirty="0" smtClean="0"/>
-              <a:t>Performance </a:t>
-            </a:r>
-            <a:r>
-              <a:rPr lang="en-US" dirty="0" smtClean="0"/>
-              <a:t>test frame work </a:t>
-            </a:r>
-            <a:r>
-              <a:rPr lang="en-US" dirty="0" smtClean="0"/>
-              <a:t>– </a:t>
-            </a:r>
-            <a:r>
-              <a:rPr lang="en-US" dirty="0" smtClean="0"/>
-              <a:t>TBD</a:t>
-            </a:r>
-            <a:endParaRPr lang="en-IN" dirty="0" smtClean="0"/>
-          </a:p>
-          <a:p>
-            <a:r>
-              <a:rPr lang="en-US" dirty="0" smtClean="0"/>
-              <a:t>Chef </a:t>
-            </a:r>
-            <a:r>
-              <a:rPr lang="en-US" dirty="0" smtClean="0"/>
-              <a:t>server/client</a:t>
+              <a:t>Chef server/client</a:t>
             </a:r>
           </a:p>
           <a:p>
@@ -6668,25 +6618,8 @@
             </a:pPr>
             <a:r>
               <a:rPr lang="en-US" dirty="0" smtClean="0"/>
-              <a:t>NOTE: All </a:t>
-            </a:r>
-            <a:r>
-              <a:rPr lang="en-US" dirty="0" smtClean="0"/>
-              <a:t>members </a:t>
-            </a:r>
-            <a:r>
-              <a:rPr lang="en-US" dirty="0" smtClean="0"/>
-              <a:t>please make </a:t>
-            </a:r>
-            <a:r>
-              <a:rPr lang="en-US" dirty="0" smtClean="0"/>
-              <a:t>sure you </a:t>
-            </a:r>
-            <a:r>
-              <a:rPr lang="en-US" dirty="0" smtClean="0"/>
-              <a:t>have all the softwares installed on your local machine</a:t>
-            </a:r>
-            <a:endParaRPr lang="en-US" dirty="0" smtClean="0"/>
+              <a:t>NOTE: All members please make sure you have all the softwares installed on your local machine</a:t>
+            </a:r>
           </a:p>
           <a:p>
             <a:endParaRPr lang="en-IN" dirty="0"/>
@@ -7774,7 +7707,7 @@
         <a:effectLst/>
         <a:extLst>
           <a:ext uri="{AF507438-7753-43E0-B8FC-AC1667EBCBE1}">
-            <a14:hiddenEffects xmlns:a14="http://schemas.microsoft.com/office/drawing/2010/main" xmlns="">
+            <a14:hiddenEffects xmlns="" xmlns:a14="http://schemas.microsoft.com/office/drawing/2010/main">
               <a:effectLst>
                 <a:outerShdw blurRad="63500" dist="38099" dir="2700000" algn="ctr" rotWithShape="0">
                   <a:schemeClr val="bg2">
@@ -7854,7 +7787,7 @@
         <a:effectLst/>
         <a:extLst>
           <a:ext uri="{AF507438-7753-43E0-B8FC-AC1667EBCBE1}">
-            <a14:hiddenEffects xmlns:a14="http://schemas.microsoft.com/office/drawing/2010/main" xmlns="">
+            <a14:hiddenEffects xmlns="" xmlns:a14="http://schemas.microsoft.com/office/drawing/2010/main">
               <a:effectLst>
                 <a:outerShdw blurRad="63500" dist="38099" dir="2700000" algn="ctr" rotWithShape="0">
                   <a:schemeClr val="bg2">
@@ -8234,24 +8167,6 @@
 </file>
 
 <file path=customXml/item1.xml><?xml version="1.0" encoding="utf-8"?>
-<?mso-contentType ?>
-<FormTemplates xmlns="http://schemas.microsoft.com/sharepoint/v3/contenttype/forms">
-  <Display>DocumentLibraryForm</Display>
-  <Edit>DocumentLibraryForm</Edit>
-  <New>DocumentLibraryForm</New>
-</FormTemplates>
-</file>
-
-<file path=customXml/item2.xml><?xml version="1.0" encoding="utf-8"?>
-<p:properties xmlns:p="http://schemas.microsoft.com/office/2006/metadata/properties" xmlns:xsi="http://www.w3.org/2001/XMLSchema-instance">
-  <documentManagement>
-    <PublishingExpirationDate xmlns="http://schemas.microsoft.com/sharepoint/v3" xsi:nil="true"/>
-    <PublishingStartDate xmlns="http://schemas.microsoft.com/sharepoint/v3" xsi:nil="true"/>
-  </documentManagement>
-</p:properties>
-</file>
-
-<file path=customXml/item3.xml><?xml version="1.0" encoding="utf-8"?>
 <ct:contentTypeSchema xmlns:ct="http://schemas.microsoft.com/office/2006/metadata/contentType" xmlns:ma="http://schemas.microsoft.com/office/2006/metadata/properties/metaAttributes" ct:_="" ma:_="" ma:contentTypeName="Document" ma:contentTypeID="0x0101005E04ABF03C094A4692875151F6F31DDB" ma:contentTypeVersion="1" ma:contentTypeDescription="Create a new document." ma:contentTypeScope="" ma:versionID="7521448cef8b01bb3ca3ea523a6c1747">
   <xsd:schema xmlns:xsd="http://www.w3.org/2001/XMLSchema" xmlns:p="http://schemas.microsoft.com/office/2006/metadata/properties" xmlns:ns1="http://schemas.microsoft.com/sharepoint/v3" targetNamespace="http://schemas.microsoft.com/office/2006/metadata/properties" ma:root="true" ma:fieldsID="3f9ae223c4b0db7928b05b88e77eec4a" ns1:_="">
     <xsd:import namespace="http://schemas.microsoft.com/sharepoint/v3"/>
@@ -8329,14 +8244,41 @@
 </ct:contentTypeSchema>
 </file>
 
+<file path=customXml/item2.xml><?xml version="1.0" encoding="utf-8"?>
+<p:properties xmlns:p="http://schemas.microsoft.com/office/2006/metadata/properties" xmlns:xsi="http://www.w3.org/2001/XMLSchema-instance">
+  <documentManagement>
+    <PublishingExpirationDate xmlns="http://schemas.microsoft.com/sharepoint/v3" xsi:nil="true"/>
+    <PublishingStartDate xmlns="http://schemas.microsoft.com/sharepoint/v3" xsi:nil="true"/>
+  </documentManagement>
+</p:properties>
+</file>
+
+<file path=customXml/item3.xml><?xml version="1.0" encoding="utf-8"?>
+<?mso-contentType ?>
+<FormTemplates xmlns="http://schemas.microsoft.com/sharepoint/v3/contenttype/forms">
+  <Display>DocumentLibraryForm</Display>
+  <Edit>DocumentLibraryForm</Edit>
+  <New>DocumentLibraryForm</New>
+</FormTemplates>
+</file>
+
 <file path=customXml/item4.xml><?xml version="1.0" encoding="utf-8"?>
 <LongProperties xmlns="http://schemas.microsoft.com/office/2006/metadata/longProperties"/>
 </file>
 
 <file path=customXml/itemProps1.xml><?xml version="1.0" encoding="utf-8"?>
-<ds:datastoreItem xmlns:ds="http://schemas.openxmlformats.org/officeDocument/2006/customXml" ds:itemID="{1970FA0E-8F94-4439-9C0F-954FD283BF1D}">
+<ds:datastoreItem xmlns:ds="http://schemas.openxmlformats.org/officeDocument/2006/customXml" ds:itemID="{CFF471EF-F5F7-4C38-A857-273DC3F740AD}">
   <ds:schemaRefs>
-    <ds:schemaRef ds:uri="http://schemas.microsoft.com/sharepoint/v3/contenttype/forms"/>
+    <ds:schemaRef ds:uri="http://schemas.microsoft.com/office/2006/metadata/contentType"/>
+    <ds:schemaRef ds:uri="http://schemas.microsoft.com/office/2006/metadata/properties/metaAttributes"/>
+    <ds:schemaRef ds:uri="http://www.w3.org/2001/XMLSchema"/>
+    <ds:schemaRef ds:uri="http://schemas.microsoft.com/office/2006/metadata/properties"/>
+    <ds:schemaRef ds:uri="http://schemas.microsoft.com/sharepoint/v3"/>
+    <ds:schemaRef ds:uri="http://schemas.microsoft.com/office/2006/documentManagement/types"/>
+    <ds:schemaRef ds:uri="http://schemas.openxmlformats.org/package/2006/metadata/core-properties"/>
+    <ds:schemaRef ds:uri="http://purl.org/dc/elements/1.1/"/>
+    <ds:schemaRef ds:uri="http://purl.org/dc/terms/"/>
+    <ds:schemaRef ds:uri="http://schemas.microsoft.com/office/internal/2005/internalDocumentation"/>
   </ds:schemaRefs>
 </ds:datastoreItem>
 </file>
@@ -8357,18 +8299,9 @@
 </file>
 
 <file path=customXml/itemProps3.xml><?xml version="1.0" encoding="utf-8"?>
-<ds:datastoreItem xmlns:ds="http://schemas.openxmlformats.org/officeDocument/2006/customXml" ds:itemID="{CFF471EF-F5F7-4C38-A857-273DC3F740AD}">
+<ds:datastoreItem xmlns:ds="http://schemas.openxmlformats.org/officeDocument/2006/customXml" ds:itemID="{1970FA0E-8F94-4439-9C0F-954FD283BF1D}">
   <ds:schemaRefs>
-    <ds:schemaRef ds:uri="http://schemas.microsoft.com/office/2006/metadata/contentType"/>
-    <ds:schemaRef ds:uri="http://schemas.microsoft.com/office/2006/metadata/properties/metaAttributes"/>
-    <ds:schemaRef ds:uri="http://www.w3.org/2001/XMLSchema"/>
-    <ds:schemaRef ds:uri="http://schemas.microsoft.com/office/2006/metadata/properties"/>
-    <ds:schemaRef ds:uri="http://schemas.microsoft.com/sharepoint/v3"/>
-    <ds:schemaRef ds:uri="http://schemas.microsoft.com/office/2006/documentManagement/types"/>
-    <ds:schemaRef ds:uri="http://schemas.openxmlformats.org/package/2006/metadata/core-properties"/>
-    <ds:schemaRef ds:uri="http://purl.org/dc/elements/1.1/"/>
-    <ds:schemaRef ds:uri="http://purl.org/dc/terms/"/>
-    <ds:schemaRef ds:uri="http://schemas.microsoft.com/office/internal/2005/internalDocumentation"/>
+    <ds:schemaRef ds:uri="http://schemas.microsoft.com/sharepoint/v3/contenttype/forms"/>
   </ds:schemaRefs>
 </ds:datastoreItem>
 </file>
